--- a/PatternMatching/Figures/example_pattern_matching.pptx
+++ b/PatternMatching/Figures/example_pattern_matching.pptx
@@ -104,6 +104,11 @@
       </a:defRPr>
     </a:lvl9pPr>
   </p:defaultTextStyle>
+  <p:extLst>
+    <p:ext uri="{EFAFB233-063F-42B5-8137-9DF3F51BA10A}">
+      <p15:sldGuideLst xmlns:p15="http://schemas.microsoft.com/office/powerpoint/2012/main"/>
+    </p:ext>
+  </p:extLst>
 </p:presentation>
 </file>
 
@@ -164,7 +169,6 @@
               <a:rPr lang="en-US"/>
               <a:t>Click to edit Master title style</a:t>
             </a:r>
-            <a:endParaRPr lang="en-US"/>
           </a:p>
         </p:txBody>
       </p:sp>
@@ -229,7 +233,6 @@
               <a:rPr lang="en-US"/>
               <a:t>Click to edit Master subtitle style</a:t>
             </a:r>
-            <a:endParaRPr lang="en-US"/>
           </a:p>
         </p:txBody>
       </p:sp>
@@ -250,7 +253,7 @@
           <a:p>
             <a:fld id="{836F76DC-6378-4138-841D-1AE86AE8151E}" type="datetimeFigureOut">
               <a:rPr lang="en-US" smtClean="0"/>
-              <a:t>2/8/2017</a:t>
+              <a:t>2/13/2017</a:t>
             </a:fld>
             <a:endParaRPr lang="en-US"/>
           </a:p>
@@ -347,7 +350,6 @@
               <a:rPr lang="en-US"/>
               <a:t>Click to edit Master title style</a:t>
             </a:r>
-            <a:endParaRPr lang="en-US"/>
           </a:p>
         </p:txBody>
       </p:sp>
@@ -399,7 +401,6 @@
               <a:rPr lang="en-US"/>
               <a:t>Fifth level</a:t>
             </a:r>
-            <a:endParaRPr lang="en-US"/>
           </a:p>
         </p:txBody>
       </p:sp>
@@ -420,7 +421,7 @@
           <a:p>
             <a:fld id="{836F76DC-6378-4138-841D-1AE86AE8151E}" type="datetimeFigureOut">
               <a:rPr lang="en-US" smtClean="0"/>
-              <a:t>2/8/2017</a:t>
+              <a:t>2/13/2017</a:t>
             </a:fld>
             <a:endParaRPr lang="en-US"/>
           </a:p>
@@ -522,7 +523,6 @@
               <a:rPr lang="en-US"/>
               <a:t>Click to edit Master title style</a:t>
             </a:r>
-            <a:endParaRPr lang="en-US"/>
           </a:p>
         </p:txBody>
       </p:sp>
@@ -579,7 +579,6 @@
               <a:rPr lang="en-US"/>
               <a:t>Fifth level</a:t>
             </a:r>
-            <a:endParaRPr lang="en-US"/>
           </a:p>
         </p:txBody>
       </p:sp>
@@ -600,7 +599,7 @@
           <a:p>
             <a:fld id="{836F76DC-6378-4138-841D-1AE86AE8151E}" type="datetimeFigureOut">
               <a:rPr lang="en-US" smtClean="0"/>
-              <a:t>2/8/2017</a:t>
+              <a:t>2/13/2017</a:t>
             </a:fld>
             <a:endParaRPr lang="en-US"/>
           </a:p>
@@ -697,7 +696,6 @@
               <a:rPr lang="en-US"/>
               <a:t>Click to edit Master title style</a:t>
             </a:r>
-            <a:endParaRPr lang="en-US"/>
           </a:p>
         </p:txBody>
       </p:sp>
@@ -749,7 +747,6 @@
               <a:rPr lang="en-US"/>
               <a:t>Fifth level</a:t>
             </a:r>
-            <a:endParaRPr lang="en-US"/>
           </a:p>
         </p:txBody>
       </p:sp>
@@ -770,7 +767,7 @@
           <a:p>
             <a:fld id="{836F76DC-6378-4138-841D-1AE86AE8151E}" type="datetimeFigureOut">
               <a:rPr lang="en-US" smtClean="0"/>
-              <a:t>2/8/2017</a:t>
+              <a:t>2/13/2017</a:t>
             </a:fld>
             <a:endParaRPr lang="en-US"/>
           </a:p>
@@ -876,7 +873,6 @@
               <a:rPr lang="en-US"/>
               <a:t>Click to edit Master title style</a:t>
             </a:r>
-            <a:endParaRPr lang="en-US"/>
           </a:p>
         </p:txBody>
       </p:sp>
@@ -1016,7 +1012,7 @@
           <a:p>
             <a:fld id="{836F76DC-6378-4138-841D-1AE86AE8151E}" type="datetimeFigureOut">
               <a:rPr lang="en-US" smtClean="0"/>
-              <a:t>2/8/2017</a:t>
+              <a:t>2/13/2017</a:t>
             </a:fld>
             <a:endParaRPr lang="en-US"/>
           </a:p>
@@ -1113,7 +1109,6 @@
               <a:rPr lang="en-US"/>
               <a:t>Click to edit Master title style</a:t>
             </a:r>
-            <a:endParaRPr lang="en-US"/>
           </a:p>
         </p:txBody>
       </p:sp>
@@ -1170,7 +1165,6 @@
               <a:rPr lang="en-US"/>
               <a:t>Fifth level</a:t>
             </a:r>
-            <a:endParaRPr lang="en-US"/>
           </a:p>
         </p:txBody>
       </p:sp>
@@ -1227,7 +1221,6 @@
               <a:rPr lang="en-US"/>
               <a:t>Fifth level</a:t>
             </a:r>
-            <a:endParaRPr lang="en-US"/>
           </a:p>
         </p:txBody>
       </p:sp>
@@ -1248,7 +1241,7 @@
           <a:p>
             <a:fld id="{836F76DC-6378-4138-841D-1AE86AE8151E}" type="datetimeFigureOut">
               <a:rPr lang="en-US" smtClean="0"/>
-              <a:t>2/8/2017</a:t>
+              <a:t>2/13/2017</a:t>
             </a:fld>
             <a:endParaRPr lang="en-US"/>
           </a:p>
@@ -1350,7 +1343,6 @@
               <a:rPr lang="en-US"/>
               <a:t>Click to edit Master title style</a:t>
             </a:r>
-            <a:endParaRPr lang="en-US"/>
           </a:p>
         </p:txBody>
       </p:sp>
@@ -1472,7 +1464,6 @@
               <a:rPr lang="en-US"/>
               <a:t>Fifth level</a:t>
             </a:r>
-            <a:endParaRPr lang="en-US"/>
           </a:p>
         </p:txBody>
       </p:sp>
@@ -1594,7 +1585,6 @@
               <a:rPr lang="en-US"/>
               <a:t>Fifth level</a:t>
             </a:r>
-            <a:endParaRPr lang="en-US"/>
           </a:p>
         </p:txBody>
       </p:sp>
@@ -1615,7 +1605,7 @@
           <a:p>
             <a:fld id="{836F76DC-6378-4138-841D-1AE86AE8151E}" type="datetimeFigureOut">
               <a:rPr lang="en-US" smtClean="0"/>
-              <a:t>2/8/2017</a:t>
+              <a:t>2/13/2017</a:t>
             </a:fld>
             <a:endParaRPr lang="en-US"/>
           </a:p>
@@ -1712,7 +1702,6 @@
               <a:rPr lang="en-US"/>
               <a:t>Click to edit Master title style</a:t>
             </a:r>
-            <a:endParaRPr lang="en-US"/>
           </a:p>
         </p:txBody>
       </p:sp>
@@ -1733,7 +1722,7 @@
           <a:p>
             <a:fld id="{836F76DC-6378-4138-841D-1AE86AE8151E}" type="datetimeFigureOut">
               <a:rPr lang="en-US" smtClean="0"/>
-              <a:t>2/8/2017</a:t>
+              <a:t>2/13/2017</a:t>
             </a:fld>
             <a:endParaRPr lang="en-US"/>
           </a:p>
@@ -1828,7 +1817,7 @@
           <a:p>
             <a:fld id="{836F76DC-6378-4138-841D-1AE86AE8151E}" type="datetimeFigureOut">
               <a:rPr lang="en-US" smtClean="0"/>
-              <a:t>2/8/2017</a:t>
+              <a:t>2/13/2017</a:t>
             </a:fld>
             <a:endParaRPr lang="en-US"/>
           </a:p>
@@ -1934,7 +1923,6 @@
               <a:rPr lang="en-US"/>
               <a:t>Click to edit Master title style</a:t>
             </a:r>
-            <a:endParaRPr lang="en-US"/>
           </a:p>
         </p:txBody>
       </p:sp>
@@ -2019,7 +2007,6 @@
               <a:rPr lang="en-US"/>
               <a:t>Fifth level</a:t>
             </a:r>
-            <a:endParaRPr lang="en-US"/>
           </a:p>
         </p:txBody>
       </p:sp>
@@ -2105,7 +2092,7 @@
           <a:p>
             <a:fld id="{836F76DC-6378-4138-841D-1AE86AE8151E}" type="datetimeFigureOut">
               <a:rPr lang="en-US" smtClean="0"/>
-              <a:t>2/8/2017</a:t>
+              <a:t>2/13/2017</a:t>
             </a:fld>
             <a:endParaRPr lang="en-US"/>
           </a:p>
@@ -2211,7 +2198,6 @@
               <a:rPr lang="en-US"/>
               <a:t>Click to edit Master title style</a:t>
             </a:r>
-            <a:endParaRPr lang="en-US"/>
           </a:p>
         </p:txBody>
       </p:sp>
@@ -2358,7 +2344,7 @@
           <a:p>
             <a:fld id="{836F76DC-6378-4138-841D-1AE86AE8151E}" type="datetimeFigureOut">
               <a:rPr lang="en-US" smtClean="0"/>
-              <a:t>2/8/2017</a:t>
+              <a:t>2/13/2017</a:t>
             </a:fld>
             <a:endParaRPr lang="en-US"/>
           </a:p>
@@ -2470,7 +2456,6 @@
               <a:rPr lang="en-US"/>
               <a:t>Click to edit Master title style</a:t>
             </a:r>
-            <a:endParaRPr lang="en-US"/>
           </a:p>
         </p:txBody>
       </p:sp>
@@ -2532,7 +2517,6 @@
               <a:rPr lang="en-US"/>
               <a:t>Fifth level</a:t>
             </a:r>
-            <a:endParaRPr lang="en-US"/>
           </a:p>
         </p:txBody>
       </p:sp>
@@ -2571,7 +2555,7 @@
           <a:p>
             <a:fld id="{836F76DC-6378-4138-841D-1AE86AE8151E}" type="datetimeFigureOut">
               <a:rPr lang="en-US" smtClean="0"/>
-              <a:t>2/8/2017</a:t>
+              <a:t>2/13/2017</a:t>
             </a:fld>
             <a:endParaRPr lang="en-US"/>
           </a:p>
@@ -3042,8 +3026,8 @@
           </a:prstGeom>
         </p:spPr>
       </p:pic>
-      <mc:AlternateContent xmlns:mc="http://schemas.openxmlformats.org/markup-compatibility/2006">
-        <mc:Choice xmlns:a14="http://schemas.microsoft.com/office/drawing/2010/main" Requires="a14">
+      <mc:AlternateContent xmlns:mc="http://schemas.openxmlformats.org/markup-compatibility/2006" xmlns:a14="http://schemas.microsoft.com/office/drawing/2010/main">
+        <mc:Choice Requires="a14">
           <p:sp>
             <p:nvSpPr>
               <p:cNvPr id="12" name="TextBox 11"/>
@@ -3131,7 +3115,7 @@
             </p:txBody>
           </p:sp>
         </mc:Choice>
-        <mc:Fallback>
+        <mc:Fallback xmlns="">
           <p:sp>
             <p:nvSpPr>
               <p:cNvPr id="12" name="TextBox 11"/>
@@ -3175,36 +3159,6 @@
           </p:sp>
         </mc:Fallback>
       </mc:AlternateContent>
-      <p:pic>
-        <p:nvPicPr>
-          <p:cNvPr id="15" name="Picture 14"/>
-          <p:cNvPicPr>
-            <a:picLocks noChangeAspect="1"/>
-          </p:cNvPicPr>
-          <p:nvPr/>
-        </p:nvPicPr>
-        <p:blipFill>
-          <a:blip r:embed="rId4">
-            <a:extLst>
-              <a:ext uri="{28A0092B-C50C-407E-A947-70E740481C1C}">
-                <a14:useLocalDpi xmlns:a14="http://schemas.microsoft.com/office/drawing/2010/main" val="0"/>
-              </a:ext>
-            </a:extLst>
-          </a:blip>
-          <a:stretch>
-            <a:fillRect/>
-          </a:stretch>
-        </p:blipFill>
-        <p:spPr>
-          <a:xfrm>
-            <a:off x="6299200" y="212690"/>
-            <a:ext cx="4210099" cy="1636658"/>
-          </a:xfrm>
-          <a:prstGeom prst="rect">
-            <a:avLst/>
-          </a:prstGeom>
-        </p:spPr>
-      </p:pic>
       <p:grpSp>
         <p:nvGrpSpPr>
           <p:cNvPr id="50" name="Group 49"/>
@@ -3228,7 +3182,7 @@
             <p:nvPr/>
           </p:nvPicPr>
           <p:blipFill>
-            <a:blip r:embed="rId5">
+            <a:blip r:embed="rId4">
               <a:extLst>
                 <a:ext uri="{28A0092B-C50C-407E-A947-70E740481C1C}">
                   <a14:useLocalDpi xmlns:a14="http://schemas.microsoft.com/office/drawing/2010/main" val="0"/>
@@ -3258,7 +3212,7 @@
             <p:nvPr/>
           </p:nvPicPr>
           <p:blipFill>
-            <a:blip r:embed="rId6">
+            <a:blip r:embed="rId5">
               <a:extLst>
                 <a:ext uri="{28A0092B-C50C-407E-A947-70E740481C1C}">
                   <a14:useLocalDpi xmlns:a14="http://schemas.microsoft.com/office/drawing/2010/main" val="0"/>
@@ -3279,8 +3233,8 @@
             </a:prstGeom>
           </p:spPr>
         </p:pic>
-        <mc:AlternateContent xmlns:mc="http://schemas.openxmlformats.org/markup-compatibility/2006">
-          <mc:Choice xmlns:a14="http://schemas.microsoft.com/office/drawing/2010/main" Requires="a14">
+        <mc:AlternateContent xmlns:mc="http://schemas.openxmlformats.org/markup-compatibility/2006" xmlns:a14="http://schemas.microsoft.com/office/drawing/2010/main">
+          <mc:Choice Requires="a14">
             <p:sp>
               <p:nvSpPr>
                 <p:cNvPr id="17" name="TextBox 16"/>
@@ -3308,6 +3262,7 @@
                 </a:bodyPr>
                 <a:lstStyle/>
                 <a:p>
+                  <a:pPr/>
                   <a14:m>
                     <m:oMathPara xmlns:m="http://schemas.openxmlformats.org/officeDocument/2006/math">
                       <m:oMathParaPr>
@@ -3461,7 +3416,7 @@
               </p:txBody>
             </p:sp>
           </mc:Choice>
-          <mc:Fallback>
+          <mc:Fallback xmlns="">
             <p:sp>
               <p:nvSpPr>
                 <p:cNvPr id="17" name="TextBox 16"/>
@@ -3506,160 +3461,8 @@
           </mc:Fallback>
         </mc:AlternateContent>
       </p:grpSp>
-      <p:grpSp>
-        <p:nvGrpSpPr>
-          <p:cNvPr id="21" name="Group 20"/>
-          <p:cNvGrpSpPr/>
-          <p:nvPr/>
-        </p:nvGrpSpPr>
-        <p:grpSpPr>
-          <a:xfrm>
-            <a:off x="6299200" y="2447418"/>
-            <a:ext cx="4210099" cy="1827871"/>
-            <a:chOff x="6392302" y="2771471"/>
-            <a:chExt cx="3035780" cy="2415992"/>
-          </a:xfrm>
-        </p:grpSpPr>
-        <p:pic>
-          <p:nvPicPr>
-            <p:cNvPr id="14" name="Picture 13"/>
-            <p:cNvPicPr>
-              <a:picLocks noChangeAspect="1"/>
-            </p:cNvPicPr>
-            <p:nvPr/>
-          </p:nvPicPr>
-          <p:blipFill>
-            <a:blip r:embed="rId8">
-              <a:extLst>
-                <a:ext uri="{28A0092B-C50C-407E-A947-70E740481C1C}">
-                  <a14:useLocalDpi xmlns:a14="http://schemas.microsoft.com/office/drawing/2010/main" val="0"/>
-                </a:ext>
-              </a:extLst>
-            </a:blip>
-            <a:stretch>
-              <a:fillRect/>
-            </a:stretch>
-          </p:blipFill>
-          <p:spPr>
-            <a:xfrm>
-              <a:off x="6392302" y="2813913"/>
-              <a:ext cx="3035780" cy="2276836"/>
-            </a:xfrm>
-            <a:prstGeom prst="rect">
-              <a:avLst/>
-            </a:prstGeom>
-          </p:spPr>
-        </p:pic>
-        <p:sp>
-          <p:nvSpPr>
-            <p:cNvPr id="19" name="TextBox 18"/>
-            <p:cNvSpPr txBox="1"/>
-            <p:nvPr/>
-          </p:nvSpPr>
-          <p:spPr>
-            <a:xfrm>
-              <a:off x="6553199" y="2771471"/>
-              <a:ext cx="2787161" cy="2415992"/>
-            </a:xfrm>
-            <a:prstGeom prst="rect">
-              <a:avLst/>
-            </a:prstGeom>
-            <a:noFill/>
-            <a:ln w="12700">
-              <a:solidFill>
-                <a:schemeClr val="tx1"/>
-              </a:solidFill>
-            </a:ln>
-          </p:spPr>
-          <p:txBody>
-            <a:bodyPr wrap="square" rtlCol="0">
-              <a:spAutoFit/>
-            </a:bodyPr>
-            <a:lstStyle/>
-            <a:p>
-              <a:endParaRPr lang="en-US" dirty="0"/>
-            </a:p>
-          </p:txBody>
-        </p:sp>
-      </p:grpSp>
-      <p:grpSp>
-        <p:nvGrpSpPr>
-          <p:cNvPr id="28" name="Group 27"/>
-          <p:cNvGrpSpPr/>
-          <p:nvPr/>
-        </p:nvGrpSpPr>
-        <p:grpSpPr>
-          <a:xfrm>
-            <a:off x="6299200" y="4905468"/>
-            <a:ext cx="4338320" cy="1708692"/>
-            <a:chOff x="6375840" y="4700914"/>
-            <a:chExt cx="4251520" cy="1913246"/>
-          </a:xfrm>
-        </p:grpSpPr>
-        <p:pic>
-          <p:nvPicPr>
-            <p:cNvPr id="25" name="Picture 24"/>
-            <p:cNvPicPr>
-              <a:picLocks noChangeAspect="1"/>
-            </p:cNvPicPr>
-            <p:nvPr/>
-          </p:nvPicPr>
-          <p:blipFill>
-            <a:blip r:embed="rId9">
-              <a:extLst>
-                <a:ext uri="{28A0092B-C50C-407E-A947-70E740481C1C}">
-                  <a14:useLocalDpi xmlns:a14="http://schemas.microsoft.com/office/drawing/2010/main" val="0"/>
-                </a:ext>
-              </a:extLst>
-            </a:blip>
-            <a:stretch>
-              <a:fillRect/>
-            </a:stretch>
-          </p:blipFill>
-          <p:spPr>
-            <a:xfrm>
-              <a:off x="6375840" y="4749814"/>
-              <a:ext cx="4251520" cy="1762746"/>
-            </a:xfrm>
-            <a:prstGeom prst="rect">
-              <a:avLst/>
-            </a:prstGeom>
-          </p:spPr>
-        </p:pic>
-        <p:sp>
-          <p:nvSpPr>
-            <p:cNvPr id="26" name="TextBox 25"/>
-            <p:cNvSpPr txBox="1"/>
-            <p:nvPr/>
-          </p:nvSpPr>
-          <p:spPr>
-            <a:xfrm>
-              <a:off x="6522337" y="4700914"/>
-              <a:ext cx="3865307" cy="1913246"/>
-            </a:xfrm>
-            <a:prstGeom prst="rect">
-              <a:avLst/>
-            </a:prstGeom>
-            <a:noFill/>
-            <a:ln>
-              <a:solidFill>
-                <a:schemeClr val="tx1"/>
-              </a:solidFill>
-            </a:ln>
-          </p:spPr>
-          <p:txBody>
-            <a:bodyPr wrap="square" rtlCol="0">
-              <a:spAutoFit/>
-            </a:bodyPr>
-            <a:lstStyle/>
-            <a:p>
-              <a:endParaRPr lang="en-US" dirty="0"/>
-            </a:p>
-          </p:txBody>
-        </p:sp>
-      </p:grpSp>
-      <mc:AlternateContent xmlns:mc="http://schemas.openxmlformats.org/markup-compatibility/2006">
-        <mc:Choice xmlns:a14="http://schemas.microsoft.com/office/drawing/2010/main" Requires="a14">
+      <mc:AlternateContent xmlns:mc="http://schemas.openxmlformats.org/markup-compatibility/2006" xmlns:a14="http://schemas.microsoft.com/office/drawing/2010/main">
+        <mc:Choice Requires="a14">
           <p:sp>
             <p:nvSpPr>
               <p:cNvPr id="29" name="TextBox 28"/>
@@ -3682,6 +3485,7 @@
               </a:bodyPr>
               <a:lstStyle/>
               <a:p>
+                <a:pPr/>
                 <a14:m>
                   <m:oMathPara xmlns:m="http://schemas.openxmlformats.org/officeDocument/2006/math">
                     <m:oMathParaPr>
@@ -3703,7 +3507,7 @@
             </p:txBody>
           </p:sp>
         </mc:Choice>
-        <mc:Fallback>
+        <mc:Fallback xmlns="">
           <p:sp>
             <p:nvSpPr>
               <p:cNvPr id="29" name="TextBox 28"/>
@@ -3848,8 +3652,8 @@
           </a:fontRef>
         </p:style>
       </p:cxnSp>
-      <mc:AlternateContent xmlns:mc="http://schemas.openxmlformats.org/markup-compatibility/2006">
-        <mc:Choice xmlns:a14="http://schemas.microsoft.com/office/drawing/2010/main" Requires="a14">
+      <mc:AlternateContent xmlns:mc="http://schemas.openxmlformats.org/markup-compatibility/2006" xmlns:a14="http://schemas.microsoft.com/office/drawing/2010/main">
+        <mc:Choice Requires="a14">
           <p:sp>
             <p:nvSpPr>
               <p:cNvPr id="39" name="TextBox 38"/>
@@ -3872,6 +3676,7 @@
               </a:bodyPr>
               <a:lstStyle/>
               <a:p>
+                <a:pPr/>
                 <a14:m>
                   <m:oMathPara xmlns:m="http://schemas.openxmlformats.org/officeDocument/2006/math">
                     <m:oMathParaPr>
@@ -3893,7 +3698,7 @@
             </p:txBody>
           </p:sp>
         </mc:Choice>
-        <mc:Fallback>
+        <mc:Fallback xmlns="">
           <p:sp>
             <p:nvSpPr>
               <p:cNvPr id="39" name="TextBox 38"/>
@@ -4008,52 +3813,6 @@
           </p:txBody>
         </p:sp>
       </p:grpSp>
-      <p:sp>
-        <p:nvSpPr>
-          <p:cNvPr id="44" name="TextBox 43"/>
-          <p:cNvSpPr txBox="1"/>
-          <p:nvPr/>
-        </p:nvSpPr>
-        <p:spPr>
-          <a:xfrm>
-            <a:off x="6522336" y="123439"/>
-            <a:ext cx="3846771" cy="1785104"/>
-          </a:xfrm>
-          <a:prstGeom prst="rect">
-            <a:avLst/>
-          </a:prstGeom>
-          <a:noFill/>
-          <a:ln w="12700">
-            <a:solidFill>
-              <a:schemeClr val="tx1"/>
-            </a:solidFill>
-          </a:ln>
-        </p:spPr>
-        <p:txBody>
-          <a:bodyPr wrap="square" rtlCol="0">
-            <a:spAutoFit/>
-          </a:bodyPr>
-          <a:lstStyle/>
-          <a:p>
-            <a:endParaRPr lang="en-US" sz="2000" dirty="0"/>
-          </a:p>
-          <a:p>
-            <a:endParaRPr lang="en-US" dirty="0"/>
-          </a:p>
-          <a:p>
-            <a:endParaRPr lang="en-US" dirty="0"/>
-          </a:p>
-          <a:p>
-            <a:endParaRPr lang="en-US" dirty="0"/>
-          </a:p>
-          <a:p>
-            <a:endParaRPr lang="en-US" dirty="0"/>
-          </a:p>
-          <a:p>
-            <a:endParaRPr lang="en-US" dirty="0"/>
-          </a:p>
-        </p:txBody>
-      </p:sp>
       <mc:AlternateContent xmlns:mc="http://schemas.openxmlformats.org/markup-compatibility/2006">
         <mc:Choice xmlns:a14="http://schemas.microsoft.com/office/drawing/2010/main" Requires="a14">
           <p:sp>
@@ -4064,7 +3823,7 @@
             </p:nvSpPr>
             <p:spPr>
               <a:xfrm>
-                <a:off x="10383323" y="558800"/>
+                <a:off x="10486524" y="562220"/>
                 <a:ext cx="1290517" cy="646331"/>
               </a:xfrm>
               <a:prstGeom prst="rect">
@@ -4127,7 +3886,7 @@
             </p:nvSpPr>
             <p:spPr>
               <a:xfrm>
-                <a:off x="10383323" y="558800"/>
+                <a:off x="10486524" y="562220"/>
                 <a:ext cx="1290517" cy="646331"/>
               </a:xfrm>
               <a:prstGeom prst="rect">
@@ -4136,7 +3895,7 @@
               <a:blipFill>
                 <a:blip r:embed="rId13"/>
                 <a:stretch>
-                  <a:fillRect l="-1887" t="-5660" r="-6604" b="-8491"/>
+                  <a:fillRect l="-1887" t="-4717" r="-6604" b="-8491"/>
                 </a:stretch>
               </a:blipFill>
             </p:spPr>
@@ -4165,8 +3924,8 @@
             </p:nvSpPr>
             <p:spPr>
               <a:xfrm>
-                <a:off x="10535723" y="2844800"/>
-                <a:ext cx="1385697" cy="646331"/>
+                <a:off x="10581600" y="2844678"/>
+                <a:ext cx="1412121" cy="646331"/>
               </a:xfrm>
               <a:prstGeom prst="rect">
                 <a:avLst/>
@@ -4222,8 +3981,8 @@
             </p:nvSpPr>
             <p:spPr>
               <a:xfrm>
-                <a:off x="10535723" y="2844800"/>
-                <a:ext cx="1385697" cy="646331"/>
+                <a:off x="10581600" y="2844678"/>
+                <a:ext cx="1412121" cy="646331"/>
               </a:xfrm>
               <a:prstGeom prst="rect">
                 <a:avLst/>
@@ -4231,7 +3990,7 @@
               <a:blipFill>
                 <a:blip r:embed="rId14"/>
                 <a:stretch>
-                  <a:fillRect l="-877" t="-5660" r="-4825" b="-14151"/>
+                  <a:fillRect l="-433" t="-5660" r="-3896" b="-14151"/>
                 </a:stretch>
               </a:blipFill>
             </p:spPr>
@@ -4250,147 +4009,8 @@
           </p:sp>
         </mc:Fallback>
       </mc:AlternateContent>
-      <mc:AlternateContent xmlns:mc="http://schemas.openxmlformats.org/markup-compatibility/2006">
-        <mc:Choice xmlns:a14="http://schemas.microsoft.com/office/drawing/2010/main" Requires="a14">
-          <p:sp>
-            <p:nvSpPr>
-              <p:cNvPr id="48" name="TextBox 47"/>
-              <p:cNvSpPr txBox="1"/>
-              <p:nvPr/>
-            </p:nvSpPr>
-            <p:spPr>
-              <a:xfrm>
-                <a:off x="10383323" y="5384800"/>
-                <a:ext cx="1808677" cy="323165"/>
-              </a:xfrm>
-              <a:prstGeom prst="rect">
-                <a:avLst/>
-              </a:prstGeom>
-              <a:noFill/>
-            </p:spPr>
-            <p:txBody>
-              <a:bodyPr wrap="square" rtlCol="0">
-                <a:spAutoFit/>
-              </a:bodyPr>
-              <a:lstStyle/>
-              <a:p>
-                <a:pPr algn="ctr"/>
-                <a14:m>
-                  <m:oMath xmlns:m="http://schemas.openxmlformats.org/officeDocument/2006/math">
-                    <m:r>
-                      <a:rPr lang="en-US" sz="1500" b="0" i="1" smtClean="0">
-                        <a:latin typeface="Cambria Math" panose="02040503050406030204" pitchFamily="18" charset="0"/>
-                      </a:rPr>
-                      <m:t>𝑅</m:t>
-                    </m:r>
-                    <m:d>
-                      <m:dPr>
-                        <m:begChr m:val="["/>
-                        <m:endChr m:val="]"/>
-                        <m:ctrlPr>
-                          <a:rPr lang="en-US" sz="1500" b="0" i="1" smtClean="0">
-                            <a:latin typeface="Cambria Math" panose="02040503050406030204" pitchFamily="18" charset="0"/>
-                          </a:rPr>
-                        </m:ctrlPr>
-                      </m:dPr>
-                      <m:e>
-                        <m:r>
-                          <a:rPr lang="en-US" sz="1500" b="0" i="1" smtClean="0">
-                            <a:latin typeface="Cambria Math" panose="02040503050406030204" pitchFamily="18" charset="0"/>
-                          </a:rPr>
-                          <m:t>𝑆</m:t>
-                        </m:r>
-                      </m:e>
-                    </m:d>
-                    <m:r>
-                      <a:rPr lang="en-US" sz="1500" b="0" i="1" smtClean="0">
-                        <a:latin typeface="Cambria Math" panose="02040503050406030204" pitchFamily="18" charset="0"/>
-                      </a:rPr>
-                      <m:t>=</m:t>
-                    </m:r>
-                    <m:r>
-                      <a:rPr lang="en-US" sz="1500" b="0" i="1" smtClean="0">
-                        <a:latin typeface="Cambria Math" panose="02040503050406030204" pitchFamily="18" charset="0"/>
-                      </a:rPr>
-                      <m:t>𝑋</m:t>
-                    </m:r>
-                    <m:d>
-                      <m:dPr>
-                        <m:begChr m:val="["/>
-                        <m:endChr m:val="]"/>
-                        <m:ctrlPr>
-                          <a:rPr lang="en-US" sz="1500" b="0" i="1" smtClean="0">
-                            <a:latin typeface="Cambria Math" panose="02040503050406030204" pitchFamily="18" charset="0"/>
-                          </a:rPr>
-                        </m:ctrlPr>
-                      </m:dPr>
-                      <m:e>
-                        <m:r>
-                          <a:rPr lang="en-US" sz="1500" b="0" i="1" smtClean="0">
-                            <a:latin typeface="Cambria Math" panose="02040503050406030204" pitchFamily="18" charset="0"/>
-                          </a:rPr>
-                          <m:t>𝑆</m:t>
-                        </m:r>
-                      </m:e>
-                    </m:d>
-                    <m:r>
-                      <a:rPr lang="en-US" sz="1500" i="1">
-                        <a:latin typeface="Cambria Math" panose="02040503050406030204" pitchFamily="18" charset="0"/>
-                        <a:ea typeface="Cambria Math" panose="02040503050406030204" pitchFamily="18" charset="0"/>
-                      </a:rPr>
-                      <m:t>⊙</m:t>
-                    </m:r>
-                  </m:oMath>
-                </a14:m>
-                <a:r>
-                  <a:rPr lang="en-US" sz="1500" dirty="0"/>
-                  <a:t> Y’[S]</a:t>
-                </a:r>
-              </a:p>
-            </p:txBody>
-          </p:sp>
-        </mc:Choice>
-        <mc:Fallback>
-          <p:sp>
-            <p:nvSpPr>
-              <p:cNvPr id="48" name="TextBox 47"/>
-              <p:cNvSpPr txBox="1">
-                <a:spLocks noRot="1" noChangeAspect="1" noMove="1" noResize="1" noEditPoints="1" noAdjustHandles="1" noChangeArrowheads="1" noChangeShapeType="1" noTextEdit="1"/>
-              </p:cNvSpPr>
-              <p:nvPr/>
-            </p:nvSpPr>
-            <p:spPr>
-              <a:xfrm>
-                <a:off x="10383323" y="5384800"/>
-                <a:ext cx="1808677" cy="323165"/>
-              </a:xfrm>
-              <a:prstGeom prst="rect">
-                <a:avLst/>
-              </a:prstGeom>
-              <a:blipFill>
-                <a:blip r:embed="rId15"/>
-                <a:stretch>
-                  <a:fillRect t="-3774" r="-673" b="-20755"/>
-                </a:stretch>
-              </a:blipFill>
-            </p:spPr>
-            <p:txBody>
-              <a:bodyPr/>
-              <a:lstStyle/>
-              <a:p>
-                <a:r>
-                  <a:rPr lang="en-US">
-                    <a:noFill/>
-                  </a:rPr>
-                  <a:t> </a:t>
-                </a:r>
-              </a:p>
-            </p:txBody>
-          </p:sp>
-        </mc:Fallback>
-      </mc:AlternateContent>
-      <mc:AlternateContent xmlns:mc="http://schemas.openxmlformats.org/markup-compatibility/2006">
-        <mc:Choice xmlns:a14="http://schemas.microsoft.com/office/drawing/2010/main" Requires="a14">
+      <mc:AlternateContent xmlns:mc="http://schemas.openxmlformats.org/markup-compatibility/2006" xmlns:a14="http://schemas.microsoft.com/office/drawing/2010/main">
+        <mc:Choice Requires="a14">
           <p:sp>
             <p:nvSpPr>
               <p:cNvPr id="49" name="TextBox 48"/>
@@ -4498,7 +4118,7 @@
             </p:txBody>
           </p:sp>
         </mc:Choice>
-        <mc:Fallback>
+        <mc:Fallback xmlns="">
           <p:sp>
             <p:nvSpPr>
               <p:cNvPr id="49" name="TextBox 48"/>
@@ -4631,6 +4251,343 @@
           </a:p>
         </p:txBody>
       </p:sp>
+      <p:pic>
+        <p:nvPicPr>
+          <p:cNvPr id="2" name="Picture 1"/>
+          <p:cNvPicPr>
+            <a:picLocks noChangeAspect="1"/>
+          </p:cNvPicPr>
+          <p:nvPr/>
+        </p:nvPicPr>
+        <p:blipFill>
+          <a:blip r:embed="rId17">
+            <a:extLst>
+              <a:ext uri="{28A0092B-C50C-407E-A947-70E740481C1C}">
+                <a14:useLocalDpi xmlns:a14="http://schemas.microsoft.com/office/drawing/2010/main" val="0"/>
+              </a:ext>
+            </a:extLst>
+          </a:blip>
+          <a:stretch>
+            <a:fillRect/>
+          </a:stretch>
+        </p:blipFill>
+        <p:spPr>
+          <a:xfrm>
+            <a:off x="6165425" y="198641"/>
+            <a:ext cx="4343874" cy="1570242"/>
+          </a:xfrm>
+          <a:prstGeom prst="rect">
+            <a:avLst/>
+          </a:prstGeom>
+        </p:spPr>
+      </p:pic>
+      <p:sp>
+        <p:nvSpPr>
+          <p:cNvPr id="44" name="TextBox 43"/>
+          <p:cNvSpPr txBox="1"/>
+          <p:nvPr/>
+        </p:nvSpPr>
+        <p:spPr>
+          <a:xfrm>
+            <a:off x="6420414" y="88847"/>
+            <a:ext cx="3972496" cy="1809898"/>
+          </a:xfrm>
+          <a:prstGeom prst="rect">
+            <a:avLst/>
+          </a:prstGeom>
+          <a:noFill/>
+          <a:ln w="12700">
+            <a:solidFill>
+              <a:schemeClr val="tx1"/>
+            </a:solidFill>
+          </a:ln>
+        </p:spPr>
+        <p:txBody>
+          <a:bodyPr wrap="square" rtlCol="0">
+            <a:spAutoFit/>
+          </a:bodyPr>
+          <a:lstStyle/>
+          <a:p>
+            <a:endParaRPr lang="en-US" sz="2000" dirty="0"/>
+          </a:p>
+          <a:p>
+            <a:endParaRPr lang="en-US" dirty="0"/>
+          </a:p>
+          <a:p>
+            <a:endParaRPr lang="en-US" dirty="0"/>
+          </a:p>
+          <a:p>
+            <a:endParaRPr lang="en-US" dirty="0"/>
+          </a:p>
+          <a:p>
+            <a:endParaRPr lang="en-US" dirty="0"/>
+          </a:p>
+          <a:p>
+            <a:endParaRPr lang="en-US" dirty="0"/>
+          </a:p>
+        </p:txBody>
+      </p:sp>
+      <p:pic>
+        <p:nvPicPr>
+          <p:cNvPr id="3" name="Picture 2"/>
+          <p:cNvPicPr>
+            <a:picLocks noChangeAspect="1"/>
+          </p:cNvPicPr>
+          <p:nvPr/>
+        </p:nvPicPr>
+        <p:blipFill>
+          <a:blip r:embed="rId18">
+            <a:extLst>
+              <a:ext uri="{28A0092B-C50C-407E-A947-70E740481C1C}">
+                <a14:useLocalDpi xmlns:a14="http://schemas.microsoft.com/office/drawing/2010/main" val="0"/>
+              </a:ext>
+            </a:extLst>
+          </a:blip>
+          <a:stretch>
+            <a:fillRect/>
+          </a:stretch>
+        </p:blipFill>
+        <p:spPr>
+          <a:xfrm>
+            <a:off x="6232312" y="2464808"/>
+            <a:ext cx="4472095" cy="1762478"/>
+          </a:xfrm>
+          <a:prstGeom prst="rect">
+            <a:avLst/>
+          </a:prstGeom>
+        </p:spPr>
+      </p:pic>
+      <p:sp>
+        <p:nvSpPr>
+          <p:cNvPr id="19" name="TextBox 18"/>
+          <p:cNvSpPr txBox="1"/>
+          <p:nvPr/>
+        </p:nvSpPr>
+        <p:spPr>
+          <a:xfrm>
+            <a:off x="6448688" y="2363616"/>
+            <a:ext cx="3944222" cy="1827871"/>
+          </a:xfrm>
+          <a:prstGeom prst="rect">
+            <a:avLst/>
+          </a:prstGeom>
+          <a:noFill/>
+          <a:ln w="12700">
+            <a:solidFill>
+              <a:schemeClr val="tx1"/>
+            </a:solidFill>
+          </a:ln>
+        </p:spPr>
+        <p:txBody>
+          <a:bodyPr wrap="square" rtlCol="0">
+            <a:spAutoFit/>
+          </a:bodyPr>
+          <a:lstStyle/>
+          <a:p>
+            <a:endParaRPr lang="en-US" dirty="0"/>
+          </a:p>
+        </p:txBody>
+      </p:sp>
+      <p:pic>
+        <p:nvPicPr>
+          <p:cNvPr id="5" name="Picture 4"/>
+          <p:cNvPicPr>
+            <a:picLocks noChangeAspect="1"/>
+          </p:cNvPicPr>
+          <p:nvPr/>
+        </p:nvPicPr>
+        <p:blipFill>
+          <a:blip r:embed="rId19">
+            <a:extLst>
+              <a:ext uri="{28A0092B-C50C-407E-A947-70E740481C1C}">
+                <a14:useLocalDpi xmlns:a14="http://schemas.microsoft.com/office/drawing/2010/main" val="0"/>
+              </a:ext>
+            </a:extLst>
+          </a:blip>
+          <a:stretch>
+            <a:fillRect/>
+          </a:stretch>
+        </p:blipFill>
+        <p:spPr>
+          <a:xfrm>
+            <a:off x="6200086" y="4855160"/>
+            <a:ext cx="4504321" cy="1773431"/>
+          </a:xfrm>
+          <a:prstGeom prst="rect">
+            <a:avLst/>
+          </a:prstGeom>
+        </p:spPr>
+      </p:pic>
+      <p:sp>
+        <p:nvSpPr>
+          <p:cNvPr id="26" name="TextBox 25"/>
+          <p:cNvSpPr txBox="1"/>
+          <p:nvPr/>
+        </p:nvSpPr>
+        <p:spPr>
+          <a:xfrm>
+            <a:off x="6448688" y="4885873"/>
+            <a:ext cx="3944222" cy="1708692"/>
+          </a:xfrm>
+          <a:prstGeom prst="rect">
+            <a:avLst/>
+          </a:prstGeom>
+          <a:noFill/>
+          <a:ln>
+            <a:solidFill>
+              <a:schemeClr val="tx1"/>
+            </a:solidFill>
+          </a:ln>
+        </p:spPr>
+        <p:txBody>
+          <a:bodyPr wrap="square" rtlCol="0">
+            <a:spAutoFit/>
+          </a:bodyPr>
+          <a:lstStyle/>
+          <a:p>
+            <a:endParaRPr lang="en-US" dirty="0"/>
+          </a:p>
+        </p:txBody>
+      </p:sp>
+      <mc:AlternateContent xmlns:mc="http://schemas.openxmlformats.org/markup-compatibility/2006">
+        <mc:Choice xmlns:a14="http://schemas.microsoft.com/office/drawing/2010/main" Requires="a14">
+          <p:sp>
+            <p:nvSpPr>
+              <p:cNvPr id="48" name="TextBox 47"/>
+              <p:cNvSpPr txBox="1"/>
+              <p:nvPr/>
+            </p:nvSpPr>
+            <p:spPr>
+              <a:xfrm>
+                <a:off x="10383323" y="5467409"/>
+                <a:ext cx="1808677" cy="323165"/>
+              </a:xfrm>
+              <a:prstGeom prst="rect">
+                <a:avLst/>
+              </a:prstGeom>
+              <a:noFill/>
+            </p:spPr>
+            <p:txBody>
+              <a:bodyPr wrap="square" rtlCol="0">
+                <a:spAutoFit/>
+              </a:bodyPr>
+              <a:lstStyle/>
+              <a:p>
+                <a:pPr algn="ctr"/>
+                <a14:m>
+                  <m:oMath xmlns:m="http://schemas.openxmlformats.org/officeDocument/2006/math">
+                    <m:r>
+                      <a:rPr lang="en-US" sz="1500" b="0" i="1" smtClean="0">
+                        <a:latin typeface="Cambria Math" panose="02040503050406030204" pitchFamily="18" charset="0"/>
+                      </a:rPr>
+                      <m:t>𝑅</m:t>
+                    </m:r>
+                    <m:d>
+                      <m:dPr>
+                        <m:begChr m:val="["/>
+                        <m:endChr m:val="]"/>
+                        <m:ctrlPr>
+                          <a:rPr lang="en-US" sz="1500" b="0" i="1" smtClean="0">
+                            <a:latin typeface="Cambria Math" panose="02040503050406030204" pitchFamily="18" charset="0"/>
+                          </a:rPr>
+                        </m:ctrlPr>
+                      </m:dPr>
+                      <m:e>
+                        <m:r>
+                          <a:rPr lang="en-US" sz="1500" b="0" i="1" smtClean="0">
+                            <a:latin typeface="Cambria Math" panose="02040503050406030204" pitchFamily="18" charset="0"/>
+                          </a:rPr>
+                          <m:t>𝑆</m:t>
+                        </m:r>
+                      </m:e>
+                    </m:d>
+                    <m:r>
+                      <a:rPr lang="en-US" sz="1500" b="0" i="1" smtClean="0">
+                        <a:latin typeface="Cambria Math" panose="02040503050406030204" pitchFamily="18" charset="0"/>
+                      </a:rPr>
+                      <m:t>=</m:t>
+                    </m:r>
+                    <m:r>
+                      <a:rPr lang="en-US" sz="1500" b="0" i="1" smtClean="0">
+                        <a:latin typeface="Cambria Math" panose="02040503050406030204" pitchFamily="18" charset="0"/>
+                      </a:rPr>
+                      <m:t>𝑋</m:t>
+                    </m:r>
+                    <m:d>
+                      <m:dPr>
+                        <m:begChr m:val="["/>
+                        <m:endChr m:val="]"/>
+                        <m:ctrlPr>
+                          <a:rPr lang="en-US" sz="1500" b="0" i="1" smtClean="0">
+                            <a:latin typeface="Cambria Math" panose="02040503050406030204" pitchFamily="18" charset="0"/>
+                          </a:rPr>
+                        </m:ctrlPr>
+                      </m:dPr>
+                      <m:e>
+                        <m:r>
+                          <a:rPr lang="en-US" sz="1500" b="0" i="1" smtClean="0">
+                            <a:latin typeface="Cambria Math" panose="02040503050406030204" pitchFamily="18" charset="0"/>
+                          </a:rPr>
+                          <m:t>𝑆</m:t>
+                        </m:r>
+                      </m:e>
+                    </m:d>
+                    <m:r>
+                      <a:rPr lang="en-US" sz="1500" i="1">
+                        <a:latin typeface="Cambria Math" panose="02040503050406030204" pitchFamily="18" charset="0"/>
+                        <a:ea typeface="Cambria Math" panose="02040503050406030204" pitchFamily="18" charset="0"/>
+                      </a:rPr>
+                      <m:t>⊙</m:t>
+                    </m:r>
+                  </m:oMath>
+                </a14:m>
+                <a:r>
+                  <a:rPr lang="en-US" sz="1500" dirty="0"/>
+                  <a:t> Y’[S]</a:t>
+                </a:r>
+              </a:p>
+            </p:txBody>
+          </p:sp>
+        </mc:Choice>
+        <mc:Fallback>
+          <p:sp>
+            <p:nvSpPr>
+              <p:cNvPr id="48" name="TextBox 47"/>
+              <p:cNvSpPr txBox="1">
+                <a:spLocks noRot="1" noChangeAspect="1" noMove="1" noResize="1" noEditPoints="1" noAdjustHandles="1" noChangeArrowheads="1" noChangeShapeType="1" noTextEdit="1"/>
+              </p:cNvSpPr>
+              <p:nvPr/>
+            </p:nvSpPr>
+            <p:spPr>
+              <a:xfrm>
+                <a:off x="10383323" y="5467409"/>
+                <a:ext cx="1808677" cy="323165"/>
+              </a:xfrm>
+              <a:prstGeom prst="rect">
+                <a:avLst/>
+              </a:prstGeom>
+              <a:blipFill>
+                <a:blip r:embed="rId20"/>
+                <a:stretch>
+                  <a:fillRect t="-3774" r="-673" b="-18868"/>
+                </a:stretch>
+              </a:blipFill>
+            </p:spPr>
+            <p:txBody>
+              <a:bodyPr/>
+              <a:lstStyle/>
+              <a:p>
+                <a:r>
+                  <a:rPr lang="en-US">
+                    <a:noFill/>
+                  </a:rPr>
+                  <a:t> </a:t>
+                </a:r>
+              </a:p>
+            </p:txBody>
+          </p:sp>
+        </mc:Fallback>
+      </mc:AlternateContent>
     </p:spTree>
     <p:extLst>
       <p:ext uri="{BB962C8B-B14F-4D97-AF65-F5344CB8AC3E}">
